--- a/Materials/Slides/slides_w0.pptx
+++ b/Materials/Slides/slides_w0.pptx
@@ -140,6 +140,14 @@
     </p:ext>
   </p:extLst>
 </p:presentation>
+</file>
+
+<file path=ppt/revisionInfo.xml><?xml version="1.0" encoding="utf-8"?>
+<p1510:revInfo xmlns:a="http://schemas.openxmlformats.org/drawingml/2006/main" xmlns:r="http://schemas.openxmlformats.org/officeDocument/2006/relationships" xmlns:p1510="http://schemas.microsoft.com/office/powerpoint/2015/10/main">
+  <p1510:revLst>
+    <p1510:client id="{AFC8C1F2-B492-4964-974B-47A09C87EC04}" v="2" dt="2024-09-30T21:50:19.547"/>
+  </p1510:revLst>
+</p1510:revInfo>
 </file>
 
 <file path=ppt/notesMasters/notesMaster1.xml><?xml version="1.0" encoding="utf-8"?>
@@ -7301,8 +7309,8 @@
           </a:p>
         </p:txBody>
       </p:sp>
-      <mc:AlternateContent xmlns:mc="http://schemas.openxmlformats.org/markup-compatibility/2006" xmlns:we="http://schemas.microsoft.com/office/webextensions/webextension/2010/11" xmlns:pca="http://schemas.microsoft.com/office/powerpoint/2013/contentapp">
-        <mc:Choice Requires="we pca">
+      <mc:AlternateContent xmlns:mc="http://schemas.openxmlformats.org/markup-compatibility/2006">
+        <mc:Choice xmlns:we="http://schemas.microsoft.com/office/webextensions/webextension/2010/11" xmlns:pca="http://schemas.microsoft.com/office/powerpoint/2013/contentapp" Requires="we pca">
           <p:graphicFrame>
             <p:nvGraphicFramePr>
               <p:cNvPr id="6" name="Content Placeholder 5">
@@ -7330,7 +7338,7 @@
             </a:graphic>
           </p:graphicFrame>
         </mc:Choice>
-        <mc:Fallback xmlns="">
+        <mc:Fallback>
           <p:pic>
             <p:nvPicPr>
               <p:cNvPr id="6" name="Content Placeholder 5">
